--- a/uploads/MOMOHAIRSTYLE2.0.pptx
+++ b/uploads/MOMOHAIRSTYLE2.0.pptx
@@ -260,7 +260,7 @@
           <a:p>
             <a:fld id="{09A81EC2-38A6-CD47-B590-C2822F53E89B}" type="datetimeFigureOut">
               <a:rPr kumimoji="1" lang="zh-TW" altLang="en-US" smtClean="0"/>
-              <a:t>2026/1/28</a:t>
+              <a:t>2026/1/30</a:t>
             </a:fld>
             <a:endParaRPr kumimoji="1" lang="zh-TW" altLang="en-US"/>
           </a:p>
@@ -458,7 +458,7 @@
           <a:p>
             <a:fld id="{09A81EC2-38A6-CD47-B590-C2822F53E89B}" type="datetimeFigureOut">
               <a:rPr kumimoji="1" lang="zh-TW" altLang="en-US" smtClean="0"/>
-              <a:t>2026/1/28</a:t>
+              <a:t>2026/1/30</a:t>
             </a:fld>
             <a:endParaRPr kumimoji="1" lang="zh-TW" altLang="en-US"/>
           </a:p>
@@ -666,7 +666,7 @@
           <a:p>
             <a:fld id="{09A81EC2-38A6-CD47-B590-C2822F53E89B}" type="datetimeFigureOut">
               <a:rPr kumimoji="1" lang="zh-TW" altLang="en-US" smtClean="0"/>
-              <a:t>2026/1/28</a:t>
+              <a:t>2026/1/30</a:t>
             </a:fld>
             <a:endParaRPr kumimoji="1" lang="zh-TW" altLang="en-US"/>
           </a:p>
@@ -864,7 +864,7 @@
           <a:p>
             <a:fld id="{09A81EC2-38A6-CD47-B590-C2822F53E89B}" type="datetimeFigureOut">
               <a:rPr kumimoji="1" lang="zh-TW" altLang="en-US" smtClean="0"/>
-              <a:t>2026/1/28</a:t>
+              <a:t>2026/1/30</a:t>
             </a:fld>
             <a:endParaRPr kumimoji="1" lang="zh-TW" altLang="en-US"/>
           </a:p>
@@ -1139,7 +1139,7 @@
           <a:p>
             <a:fld id="{09A81EC2-38A6-CD47-B590-C2822F53E89B}" type="datetimeFigureOut">
               <a:rPr kumimoji="1" lang="zh-TW" altLang="en-US" smtClean="0"/>
-              <a:t>2026/1/28</a:t>
+              <a:t>2026/1/30</a:t>
             </a:fld>
             <a:endParaRPr kumimoji="1" lang="zh-TW" altLang="en-US"/>
           </a:p>
@@ -1404,7 +1404,7 @@
           <a:p>
             <a:fld id="{09A81EC2-38A6-CD47-B590-C2822F53E89B}" type="datetimeFigureOut">
               <a:rPr kumimoji="1" lang="zh-TW" altLang="en-US" smtClean="0"/>
-              <a:t>2026/1/28</a:t>
+              <a:t>2026/1/30</a:t>
             </a:fld>
             <a:endParaRPr kumimoji="1" lang="zh-TW" altLang="en-US"/>
           </a:p>
@@ -1816,7 +1816,7 @@
           <a:p>
             <a:fld id="{09A81EC2-38A6-CD47-B590-C2822F53E89B}" type="datetimeFigureOut">
               <a:rPr kumimoji="1" lang="zh-TW" altLang="en-US" smtClean="0"/>
-              <a:t>2026/1/28</a:t>
+              <a:t>2026/1/30</a:t>
             </a:fld>
             <a:endParaRPr kumimoji="1" lang="zh-TW" altLang="en-US"/>
           </a:p>
@@ -1957,7 +1957,7 @@
           <a:p>
             <a:fld id="{09A81EC2-38A6-CD47-B590-C2822F53E89B}" type="datetimeFigureOut">
               <a:rPr kumimoji="1" lang="zh-TW" altLang="en-US" smtClean="0"/>
-              <a:t>2026/1/28</a:t>
+              <a:t>2026/1/30</a:t>
             </a:fld>
             <a:endParaRPr kumimoji="1" lang="zh-TW" altLang="en-US"/>
           </a:p>
@@ -2070,7 +2070,7 @@
           <a:p>
             <a:fld id="{09A81EC2-38A6-CD47-B590-C2822F53E89B}" type="datetimeFigureOut">
               <a:rPr kumimoji="1" lang="zh-TW" altLang="en-US" smtClean="0"/>
-              <a:t>2026/1/28</a:t>
+              <a:t>2026/1/30</a:t>
             </a:fld>
             <a:endParaRPr kumimoji="1" lang="zh-TW" altLang="en-US"/>
           </a:p>
@@ -2381,7 +2381,7 @@
           <a:p>
             <a:fld id="{09A81EC2-38A6-CD47-B590-C2822F53E89B}" type="datetimeFigureOut">
               <a:rPr kumimoji="1" lang="zh-TW" altLang="en-US" smtClean="0"/>
-              <a:t>2026/1/28</a:t>
+              <a:t>2026/1/30</a:t>
             </a:fld>
             <a:endParaRPr kumimoji="1" lang="zh-TW" altLang="en-US"/>
           </a:p>
@@ -2669,7 +2669,7 @@
           <a:p>
             <a:fld id="{09A81EC2-38A6-CD47-B590-C2822F53E89B}" type="datetimeFigureOut">
               <a:rPr kumimoji="1" lang="zh-TW" altLang="en-US" smtClean="0"/>
-              <a:t>2026/1/28</a:t>
+              <a:t>2026/1/30</a:t>
             </a:fld>
             <a:endParaRPr kumimoji="1" lang="zh-TW" altLang="en-US"/>
           </a:p>
@@ -2910,7 +2910,7 @@
           <a:p>
             <a:fld id="{09A81EC2-38A6-CD47-B590-C2822F53E89B}" type="datetimeFigureOut">
               <a:rPr kumimoji="1" lang="zh-TW" altLang="en-US" smtClean="0"/>
-              <a:t>2026/1/28</a:t>
+              <a:t>2026/1/30</a:t>
             </a:fld>
             <a:endParaRPr kumimoji="1" lang="zh-TW" altLang="en-US"/>
           </a:p>
@@ -3553,7 +3553,7 @@
     <p:bg>
       <p:bgPr>
         <a:solidFill>
-          <a:srgbClr val="0050C7"/>
+          <a:srgbClr val="22395A"/>
         </a:solidFill>
         <a:effectLst/>
       </p:bgPr>
@@ -3637,7 +3637,7 @@
             </a:pathLst>
           </a:custGeom>
           <a:noFill/>
-          <a:ln w="76200" cap="rnd">
+          <a:ln w="50800" cap="rnd">
             <a:solidFill>
               <a:schemeClr val="bg1"/>
             </a:solidFill>
@@ -3797,197 +3797,7 @@
             </a:pathLst>
           </a:custGeom>
           <a:noFill/>
-          <a:ln w="76200">
-            <a:solidFill>
-              <a:schemeClr val="bg1"/>
-            </a:solidFill>
-          </a:ln>
-        </p:spPr>
-        <p:style>
-          <a:lnRef idx="2">
-            <a:schemeClr val="accent1">
-              <a:shade val="15000"/>
-            </a:schemeClr>
-          </a:lnRef>
-          <a:fillRef idx="1">
-            <a:schemeClr val="accent1"/>
-          </a:fillRef>
-          <a:effectRef idx="0">
-            <a:schemeClr val="accent1"/>
-          </a:effectRef>
-          <a:fontRef idx="minor">
-            <a:schemeClr val="lt1"/>
-          </a:fontRef>
-        </p:style>
-        <p:txBody>
-          <a:bodyPr rtlCol="0" anchor="ctr"/>
-          <a:lstStyle/>
-          <a:p>
-            <a:pPr algn="ctr"/>
-            <a:endParaRPr kumimoji="1" lang="zh-TW" altLang="en-US"/>
-          </a:p>
-        </p:txBody>
-      </p:sp>
-      <p:sp>
-        <p:nvSpPr>
-          <p:cNvPr id="23" name="手繪多邊形 22">
-            <a:extLst>
-              <a:ext uri="{FF2B5EF4-FFF2-40B4-BE49-F238E27FC236}">
-                <a16:creationId xmlns:a16="http://schemas.microsoft.com/office/drawing/2014/main" id="{2097D3F8-AC5B-86CB-5C4D-48C49A3C9965}"/>
-              </a:ext>
-            </a:extLst>
-          </p:cNvPr>
-          <p:cNvSpPr/>
-          <p:nvPr/>
-        </p:nvSpPr>
-        <p:spPr>
-          <a:xfrm>
-            <a:off x="1704109" y="-290945"/>
-            <a:ext cx="5694218" cy="7135090"/>
-          </a:xfrm>
-          <a:custGeom>
-            <a:avLst/>
-            <a:gdLst>
-              <a:gd name="csX0" fmla="*/ 0 w 5694218"/>
-              <a:gd name="csY0" fmla="*/ 7135090 h 7135090"/>
-              <a:gd name="csX1" fmla="*/ 498764 w 5694218"/>
-              <a:gd name="csY1" fmla="*/ 6137563 h 7135090"/>
-              <a:gd name="csX2" fmla="*/ 2535382 w 5694218"/>
-              <a:gd name="csY2" fmla="*/ 4973781 h 7135090"/>
-              <a:gd name="csX3" fmla="*/ 5694218 w 5694218"/>
-              <a:gd name="csY3" fmla="*/ 0 h 7135090"/>
-            </a:gdLst>
-            <a:ahLst/>
-            <a:cxnLst>
-              <a:cxn ang="0">
-                <a:pos x="csX0" y="csY0"/>
-              </a:cxn>
-              <a:cxn ang="0">
-                <a:pos x="csX1" y="csY1"/>
-              </a:cxn>
-              <a:cxn ang="0">
-                <a:pos x="csX2" y="csY2"/>
-              </a:cxn>
-              <a:cxn ang="0">
-                <a:pos x="csX3" y="csY3"/>
-              </a:cxn>
-            </a:cxnLst>
-            <a:rect l="l" t="t" r="r" b="b"/>
-            <a:pathLst>
-              <a:path w="5694218" h="7135090">
-                <a:moveTo>
-                  <a:pt x="0" y="7135090"/>
-                </a:moveTo>
-                <a:cubicBezTo>
-                  <a:pt x="38100" y="6816435"/>
-                  <a:pt x="76200" y="6497781"/>
-                  <a:pt x="498764" y="6137563"/>
-                </a:cubicBezTo>
-                <a:cubicBezTo>
-                  <a:pt x="921328" y="5777345"/>
-                  <a:pt x="1669473" y="5996708"/>
-                  <a:pt x="2535382" y="4973781"/>
-                </a:cubicBezTo>
-                <a:cubicBezTo>
-                  <a:pt x="3401291" y="3950854"/>
-                  <a:pt x="4547754" y="1975427"/>
-                  <a:pt x="5694218" y="0"/>
-                </a:cubicBezTo>
-              </a:path>
-            </a:pathLst>
-          </a:custGeom>
-          <a:noFill/>
-          <a:ln w="63500">
-            <a:solidFill>
-              <a:schemeClr val="bg1"/>
-            </a:solidFill>
-          </a:ln>
-        </p:spPr>
-        <p:style>
-          <a:lnRef idx="2">
-            <a:schemeClr val="accent1">
-              <a:shade val="15000"/>
-            </a:schemeClr>
-          </a:lnRef>
-          <a:fillRef idx="1">
-            <a:schemeClr val="accent1"/>
-          </a:fillRef>
-          <a:effectRef idx="0">
-            <a:schemeClr val="accent1"/>
-          </a:effectRef>
-          <a:fontRef idx="minor">
-            <a:schemeClr val="lt1"/>
-          </a:fontRef>
-        </p:style>
-        <p:txBody>
-          <a:bodyPr rtlCol="0" anchor="ctr"/>
-          <a:lstStyle/>
-          <a:p>
-            <a:pPr algn="ctr"/>
-            <a:endParaRPr kumimoji="1" lang="zh-TW" altLang="en-US"/>
-          </a:p>
-        </p:txBody>
-      </p:sp>
-      <p:sp>
-        <p:nvSpPr>
-          <p:cNvPr id="17" name="手繪多邊形 16">
-            <a:extLst>
-              <a:ext uri="{FF2B5EF4-FFF2-40B4-BE49-F238E27FC236}">
-                <a16:creationId xmlns:a16="http://schemas.microsoft.com/office/drawing/2014/main" id="{50F503D9-632F-5D2F-620E-7EE606BFAFEF}"/>
-              </a:ext>
-            </a:extLst>
-          </p:cNvPr>
-          <p:cNvSpPr/>
-          <p:nvPr/>
-        </p:nvSpPr>
-        <p:spPr>
-          <a:xfrm>
-            <a:off x="7803112" y="3123830"/>
-            <a:ext cx="4918364" cy="3754582"/>
-          </a:xfrm>
-          <a:custGeom>
-            <a:avLst/>
-            <a:gdLst>
-              <a:gd name="csX0" fmla="*/ 0 w 4918364"/>
-              <a:gd name="csY0" fmla="*/ 3754582 h 3754582"/>
-              <a:gd name="csX1" fmla="*/ 1925782 w 4918364"/>
-              <a:gd name="csY1" fmla="*/ 554182 h 3754582"/>
-              <a:gd name="csX2" fmla="*/ 4918364 w 4918364"/>
-              <a:gd name="csY2" fmla="*/ 0 h 3754582"/>
-            </a:gdLst>
-            <a:ahLst/>
-            <a:cxnLst>
-              <a:cxn ang="0">
-                <a:pos x="csX0" y="csY0"/>
-              </a:cxn>
-              <a:cxn ang="0">
-                <a:pos x="csX1" y="csY1"/>
-              </a:cxn>
-              <a:cxn ang="0">
-                <a:pos x="csX2" y="csY2"/>
-              </a:cxn>
-            </a:cxnLst>
-            <a:rect l="l" t="t" r="r" b="b"/>
-            <a:pathLst>
-              <a:path w="4918364" h="3754582">
-                <a:moveTo>
-                  <a:pt x="0" y="3754582"/>
-                </a:moveTo>
-                <a:cubicBezTo>
-                  <a:pt x="553027" y="2467264"/>
-                  <a:pt x="1106055" y="1179946"/>
-                  <a:pt x="1925782" y="554182"/>
-                </a:cubicBezTo>
-                <a:cubicBezTo>
-                  <a:pt x="2745509" y="-71582"/>
-                  <a:pt x="4410364" y="55418"/>
-                  <a:pt x="4918364" y="0"/>
-                </a:cubicBezTo>
-              </a:path>
-            </a:pathLst>
-          </a:custGeom>
-          <a:noFill/>
-          <a:ln w="76200">
+          <a:ln w="50800">
             <a:solidFill>
               <a:schemeClr val="bg1"/>
             </a:solidFill>
@@ -4077,7 +3887,7 @@
             </a:pathLst>
           </a:custGeom>
           <a:noFill/>
-          <a:ln w="63500">
+          <a:ln w="50800">
             <a:solidFill>
               <a:schemeClr val="bg1"/>
             </a:solidFill>
@@ -4123,7 +3933,7 @@
         <p:spPr>
           <a:xfrm>
             <a:off x="584894" y="3569760"/>
-            <a:ext cx="10661927" cy="1729355"/>
+            <a:ext cx="12295684" cy="1729355"/>
           </a:xfrm>
           <a:prstGeom prst="rect">
             <a:avLst/>
@@ -4152,10 +3962,24 @@
           <a:p>
             <a:pPr algn="l"/>
             <a:r>
-              <a:rPr lang="en-US" altLang="zh-TW" sz="14000" dirty="0"/>
+              <a:rPr lang="en-US" altLang="zh-TW" sz="14000" dirty="0">
+                <a:solidFill>
+                  <a:schemeClr val="bg1"/>
+                </a:solidFill>
+                <a:latin typeface="Broadway" pitchFamily="82" charset="0"/>
+                <a:ea typeface="ADLaM Display" panose="02010000000000000000" pitchFamily="2" charset="0"/>
+                <a:cs typeface="ADLaM Display" panose="02010000000000000000" pitchFamily="2" charset="0"/>
+              </a:rPr>
               <a:t>HAIRSTYLE</a:t>
             </a:r>
-            <a:endParaRPr lang="zh-TW" altLang="en-US" sz="14000" dirty="0"/>
+            <a:endParaRPr lang="zh-TW" altLang="en-US" sz="14000" dirty="0">
+              <a:solidFill>
+                <a:schemeClr val="bg1"/>
+              </a:solidFill>
+              <a:latin typeface="Broadway" pitchFamily="82" charset="0"/>
+              <a:ea typeface="Apple LiGothic Medium" pitchFamily="2" charset="-120"/>
+              <a:cs typeface="ADLaM Display" panose="02010000000000000000" pitchFamily="2" charset="0"/>
+            </a:endParaRPr>
           </a:p>
         </p:txBody>
       </p:sp>
@@ -4173,8 +3997,8 @@
         </p:nvSpPr>
         <p:spPr>
           <a:xfrm>
-            <a:off x="555610" y="1675766"/>
-            <a:ext cx="6120706" cy="1729356"/>
+            <a:off x="555609" y="1675766"/>
+            <a:ext cx="7058599" cy="1729356"/>
           </a:xfrm>
           <a:prstGeom prst="rect">
             <a:avLst/>
@@ -4203,10 +4027,24 @@
           <a:p>
             <a:pPr algn="l"/>
             <a:r>
-              <a:rPr lang="en-US" altLang="zh-TW" sz="14000" dirty="0"/>
+              <a:rPr lang="en-US" altLang="zh-TW" sz="14000" dirty="0">
+                <a:solidFill>
+                  <a:schemeClr val="bg1"/>
+                </a:solidFill>
+                <a:latin typeface="Broadway" pitchFamily="82" charset="0"/>
+                <a:ea typeface="ADLaM Display" panose="02010000000000000000" pitchFamily="2" charset="0"/>
+                <a:cs typeface="ADLaM Display" panose="02010000000000000000" pitchFamily="2" charset="0"/>
+              </a:rPr>
               <a:t>MORE </a:t>
             </a:r>
-            <a:endParaRPr lang="zh-TW" altLang="en-US" sz="14000" dirty="0"/>
+            <a:endParaRPr lang="zh-TW" altLang="en-US" sz="14000" dirty="0">
+              <a:solidFill>
+                <a:schemeClr val="bg1"/>
+              </a:solidFill>
+              <a:latin typeface="Broadway" pitchFamily="82" charset="0"/>
+              <a:ea typeface="Apple LiGothic Medium" pitchFamily="2" charset="-120"/>
+              <a:cs typeface="ADLaM Display" panose="02010000000000000000" pitchFamily="2" charset="0"/>
+            </a:endParaRPr>
           </a:p>
         </p:txBody>
       </p:sp>
@@ -4279,7 +4117,7 @@
             </a:pathLst>
           </a:custGeom>
           <a:noFill/>
-          <a:ln w="76200">
+          <a:ln w="50800">
             <a:solidFill>
               <a:schemeClr val="bg1"/>
             </a:solidFill>
@@ -4379,10 +4217,198 @@
             </a:pathLst>
           </a:custGeom>
           <a:noFill/>
-          <a:ln w="76200">
+          <a:ln w="50800">
             <a:solidFill>
               <a:schemeClr val="bg1"/>
             </a:solidFill>
+          </a:ln>
+        </p:spPr>
+        <p:style>
+          <a:lnRef idx="2">
+            <a:schemeClr val="accent1">
+              <a:shade val="15000"/>
+            </a:schemeClr>
+          </a:lnRef>
+          <a:fillRef idx="1">
+            <a:schemeClr val="accent1"/>
+          </a:fillRef>
+          <a:effectRef idx="0">
+            <a:schemeClr val="accent1"/>
+          </a:effectRef>
+          <a:fontRef idx="minor">
+            <a:schemeClr val="lt1"/>
+          </a:fontRef>
+        </p:style>
+        <p:txBody>
+          <a:bodyPr rtlCol="0" anchor="ctr"/>
+          <a:lstStyle/>
+          <a:p>
+            <a:pPr algn="ctr"/>
+            <a:endParaRPr kumimoji="1" lang="zh-TW" altLang="en-US"/>
+          </a:p>
+        </p:txBody>
+      </p:sp>
+      <p:sp>
+        <p:nvSpPr>
+          <p:cNvPr id="3" name="手繪多邊形 2">
+            <a:extLst>
+              <a:ext uri="{FF2B5EF4-FFF2-40B4-BE49-F238E27FC236}">
+                <a16:creationId xmlns:a16="http://schemas.microsoft.com/office/drawing/2014/main" id="{682F1A6F-4B1E-6253-8C34-43A1B9295A6E}"/>
+              </a:ext>
+            </a:extLst>
+          </p:cNvPr>
+          <p:cNvSpPr/>
+          <p:nvPr/>
+        </p:nvSpPr>
+        <p:spPr>
+          <a:xfrm rot="6376004">
+            <a:off x="8892718" y="-1872606"/>
+            <a:ext cx="1527431" cy="5872182"/>
+          </a:xfrm>
+          <a:custGeom>
+            <a:avLst/>
+            <a:gdLst>
+              <a:gd name="csX0" fmla="*/ 1210392 w 1527431"/>
+              <a:gd name="csY0" fmla="*/ 0 h 5872182"/>
+              <a:gd name="csX1" fmla="*/ 1017650 w 1527431"/>
+              <a:gd name="csY1" fmla="*/ 1431202 h 5872182"/>
+              <a:gd name="csX2" fmla="*/ 1501838 w 1527431"/>
+              <a:gd name="csY2" fmla="*/ 3123041 h 5872182"/>
+              <a:gd name="csX3" fmla="*/ 480234 w 1527431"/>
+              <a:gd name="csY3" fmla="*/ 4639091 h 5872182"/>
+              <a:gd name="csX4" fmla="*/ 0 w 1527431"/>
+              <a:gd name="csY4" fmla="*/ 5872182 h 5872182"/>
+            </a:gdLst>
+            <a:ahLst/>
+            <a:cxnLst>
+              <a:cxn ang="0">
+                <a:pos x="csX0" y="csY0"/>
+              </a:cxn>
+              <a:cxn ang="0">
+                <a:pos x="csX1" y="csY1"/>
+              </a:cxn>
+              <a:cxn ang="0">
+                <a:pos x="csX2" y="csY2"/>
+              </a:cxn>
+              <a:cxn ang="0">
+                <a:pos x="csX3" y="csY3"/>
+              </a:cxn>
+              <a:cxn ang="0">
+                <a:pos x="csX4" y="csY4"/>
+              </a:cxn>
+            </a:cxnLst>
+            <a:rect l="l" t="t" r="r" b="b"/>
+            <a:pathLst>
+              <a:path w="1527431" h="5872182" extrusionOk="0">
+                <a:moveTo>
+                  <a:pt x="1210392" y="0"/>
+                </a:moveTo>
+                <a:cubicBezTo>
+                  <a:pt x="1164167" y="217222"/>
+                  <a:pt x="877771" y="944963"/>
+                  <a:pt x="1017650" y="1431202"/>
+                </a:cubicBezTo>
+                <a:cubicBezTo>
+                  <a:pt x="1185453" y="1976809"/>
+                  <a:pt x="1604677" y="2400871"/>
+                  <a:pt x="1501838" y="3123041"/>
+                </a:cubicBezTo>
+                <a:cubicBezTo>
+                  <a:pt x="1365444" y="3782916"/>
+                  <a:pt x="723967" y="4217233"/>
+                  <a:pt x="480234" y="4639091"/>
+                </a:cubicBezTo>
+                <a:cubicBezTo>
+                  <a:pt x="221009" y="5092401"/>
+                  <a:pt x="114573" y="5730797"/>
+                  <a:pt x="0" y="5872182"/>
+                </a:cubicBezTo>
+              </a:path>
+            </a:pathLst>
+          </a:custGeom>
+          <a:noFill/>
+          <a:ln w="50800" cap="rnd">
+            <a:solidFill>
+              <a:schemeClr val="bg1"/>
+            </a:solidFill>
+            <a:extLst>
+              <a:ext uri="{C807C97D-BFC1-408E-A445-0C87EB9F89A2}">
+                <ask:lineSketchStyleProps xmlns:ask="http://schemas.microsoft.com/office/drawing/2018/sketchyshapes" sd="1219033472">
+                  <a:custGeom>
+                    <a:avLst/>
+                    <a:gdLst>
+                      <a:gd name="csX0" fmla="*/ 1210392 w 1544807"/>
+                      <a:gd name="csY0" fmla="*/ 0 h 5872182"/>
+                      <a:gd name="csX1" fmla="*/ 1017650 w 1544807"/>
+                      <a:gd name="csY1" fmla="*/ 1431202 h 5872182"/>
+                      <a:gd name="csX2" fmla="*/ 1501838 w 1544807"/>
+                      <a:gd name="csY2" fmla="*/ 3123041 h 5872182"/>
+                      <a:gd name="csX3" fmla="*/ 0 w 1544807"/>
+                      <a:gd name="csY3" fmla="*/ 5872182 h 5872182"/>
+                      <a:gd name="csX0" fmla="*/ 1210392 w 1527431"/>
+                      <a:gd name="csY0" fmla="*/ 0 h 5872182"/>
+                      <a:gd name="csX1" fmla="*/ 1017650 w 1527431"/>
+                      <a:gd name="csY1" fmla="*/ 1431202 h 5872182"/>
+                      <a:gd name="csX2" fmla="*/ 1501838 w 1527431"/>
+                      <a:gd name="csY2" fmla="*/ 3123041 h 5872182"/>
+                      <a:gd name="csX3" fmla="*/ 480234 w 1527431"/>
+                      <a:gd name="csY3" fmla="*/ 4639091 h 5872182"/>
+                      <a:gd name="csX4" fmla="*/ 0 w 1527431"/>
+                      <a:gd name="csY4" fmla="*/ 5872182 h 5872182"/>
+                    </a:gdLst>
+                    <a:ahLst/>
+                    <a:cxnLst>
+                      <a:cxn ang="0">
+                        <a:pos x="csX0" y="csY0"/>
+                      </a:cxn>
+                      <a:cxn ang="0">
+                        <a:pos x="csX1" y="csY1"/>
+                      </a:cxn>
+                      <a:cxn ang="0">
+                        <a:pos x="csX2" y="csY2"/>
+                      </a:cxn>
+                      <a:cxn ang="0">
+                        <a:pos x="csX3" y="csY3"/>
+                      </a:cxn>
+                      <a:cxn ang="0">
+                        <a:pos x="csX4" y="csY4"/>
+                      </a:cxn>
+                    </a:cxnLst>
+                    <a:rect l="l" t="t" r="r" b="b"/>
+                    <a:pathLst>
+                      <a:path w="1527431" h="5872182" extrusionOk="0">
+                        <a:moveTo>
+                          <a:pt x="1210392" y="0"/>
+                        </a:moveTo>
+                        <a:cubicBezTo>
+                          <a:pt x="1172385" y="222291"/>
+                          <a:pt x="936509" y="922918"/>
+                          <a:pt x="1017650" y="1431202"/>
+                        </a:cubicBezTo>
+                        <a:cubicBezTo>
+                          <a:pt x="1158110" y="1971053"/>
+                          <a:pt x="1643377" y="2399640"/>
+                          <a:pt x="1501838" y="3123041"/>
+                        </a:cubicBezTo>
+                        <a:cubicBezTo>
+                          <a:pt x="1434183" y="3715789"/>
+                          <a:pt x="730540" y="4180901"/>
+                          <a:pt x="480234" y="4639091"/>
+                        </a:cubicBezTo>
+                        <a:cubicBezTo>
+                          <a:pt x="229928" y="5097281"/>
+                          <a:pt x="101953" y="5724767"/>
+                          <a:pt x="0" y="5872182"/>
+                        </a:cubicBezTo>
+                      </a:path>
+                    </a:pathLst>
+                  </a:custGeom>
+                  <ask:type>
+                    <ask:lineSketchCurved/>
+                  </ask:type>
+                </ask:lineSketchStyleProps>
+              </a:ext>
+            </a:extLst>
           </a:ln>
         </p:spPr>
         <p:style>
